--- a/week_13.pptx
+++ b/week_13.pptx
@@ -6,19 +6,18 @@
   </p:sldMasterIdLst>
   <p:sldIdLst>
     <p:sldId id="256" r:id="rId2"/>
-    <p:sldId id="257" r:id="rId3"/>
-    <p:sldId id="258" r:id="rId4"/>
-    <p:sldId id="259" r:id="rId5"/>
-    <p:sldId id="260" r:id="rId6"/>
-    <p:sldId id="261" r:id="rId7"/>
-    <p:sldId id="262" r:id="rId8"/>
-    <p:sldId id="263" r:id="rId9"/>
-    <p:sldId id="264" r:id="rId10"/>
-    <p:sldId id="265" r:id="rId11"/>
-    <p:sldId id="266" r:id="rId12"/>
-    <p:sldId id="267" r:id="rId13"/>
-    <p:sldId id="268" r:id="rId14"/>
-    <p:sldId id="269" r:id="rId15"/>
+    <p:sldId id="258" r:id="rId3"/>
+    <p:sldId id="259" r:id="rId4"/>
+    <p:sldId id="260" r:id="rId5"/>
+    <p:sldId id="261" r:id="rId6"/>
+    <p:sldId id="262" r:id="rId7"/>
+    <p:sldId id="263" r:id="rId8"/>
+    <p:sldId id="264" r:id="rId9"/>
+    <p:sldId id="265" r:id="rId10"/>
+    <p:sldId id="266" r:id="rId11"/>
+    <p:sldId id="267" r:id="rId12"/>
+    <p:sldId id="268" r:id="rId13"/>
+    <p:sldId id="269" r:id="rId14"/>
   </p:sldIdLst>
   <p:sldSz cx="12192000" cy="6858000"/>
   <p:notesSz cx="6858000" cy="9144000"/>
@@ -117,6 +116,11 @@
       </a:defRPr>
     </a:lvl9pPr>
   </p:defaultTextStyle>
+  <p:extLst>
+    <p:ext uri="{EFAFB233-063F-42B5-8137-9DF3F51BA10A}">
+      <p15:sldGuideLst xmlns:p15="http://schemas.microsoft.com/office/powerpoint/2012/main"/>
+    </p:ext>
+  </p:extLst>
 </p:presentation>
 </file>
 
@@ -3903,188 +3907,6 @@
           <a:chExt cx="0" cy="0"/>
         </a:xfrm>
       </p:grpSpPr>
-      <p:pic>
-        <p:nvPicPr>
-          <p:cNvPr id="5" name="Picture 4" descr="A red circle in the sky&#10;&#10;AI-generated content may be incorrect.">
-            <a:extLst>
-              <a:ext uri="{FF2B5EF4-FFF2-40B4-BE49-F238E27FC236}">
-                <a16:creationId xmlns:a16="http://schemas.microsoft.com/office/drawing/2014/main" id="{EB1D8219-2F4B-443E-46E0-70B9E5264DE9}"/>
-              </a:ext>
-            </a:extLst>
-          </p:cNvPr>
-          <p:cNvPicPr>
-            <a:picLocks noChangeAspect="1"/>
-          </p:cNvPicPr>
-          <p:nvPr/>
-        </p:nvPicPr>
-        <p:blipFill>
-          <a:blip r:embed="rId2">
-            <a:extLst>
-              <a:ext uri="{28A0092B-C50C-407E-A947-70E740481C1C}">
-                <a14:useLocalDpi xmlns:a14="http://schemas.microsoft.com/office/drawing/2010/main" val="0"/>
-              </a:ext>
-            </a:extLst>
-          </a:blip>
-          <a:stretch>
-            <a:fillRect/>
-          </a:stretch>
-        </p:blipFill>
-        <p:spPr>
-          <a:xfrm>
-            <a:off x="90436" y="1802676"/>
-            <a:ext cx="5660572" cy="3152345"/>
-          </a:xfrm>
-          <a:prstGeom prst="rect">
-            <a:avLst/>
-          </a:prstGeom>
-        </p:spPr>
-      </p:pic>
-      <p:sp>
-        <p:nvSpPr>
-          <p:cNvPr id="6" name="TextBox 5">
-            <a:extLst>
-              <a:ext uri="{FF2B5EF4-FFF2-40B4-BE49-F238E27FC236}">
-                <a16:creationId xmlns:a16="http://schemas.microsoft.com/office/drawing/2014/main" id="{8636201B-80C1-6C39-D151-A40A6B6A2A4D}"/>
-              </a:ext>
-            </a:extLst>
-          </p:cNvPr>
-          <p:cNvSpPr txBox="1"/>
-          <p:nvPr/>
-        </p:nvSpPr>
-        <p:spPr>
-          <a:xfrm>
-            <a:off x="221064" y="1286189"/>
-            <a:ext cx="4481564" cy="369332"/>
-          </a:xfrm>
-          <a:prstGeom prst="rect">
-            <a:avLst/>
-          </a:prstGeom>
-          <a:noFill/>
-        </p:spPr>
-        <p:txBody>
-          <a:bodyPr wrap="square" rtlCol="0">
-            <a:spAutoFit/>
-          </a:bodyPr>
-          <a:lstStyle/>
-          <a:p>
-            <a:r>
-              <a:rPr lang="en-IN" dirty="0"/>
-              <a:t>On </a:t>
-            </a:r>
-            <a:r>
-              <a:rPr lang="en-IN" dirty="0" err="1"/>
-              <a:t>original_isabel_gmm</a:t>
-            </a:r>
-            <a:endParaRPr lang="en-IN" dirty="0"/>
-          </a:p>
-        </p:txBody>
-      </p:sp>
-      <p:pic>
-        <p:nvPicPr>
-          <p:cNvPr id="8" name="Picture 7" descr="A red circle in the sky&#10;&#10;AI-generated content may be incorrect.">
-            <a:extLst>
-              <a:ext uri="{FF2B5EF4-FFF2-40B4-BE49-F238E27FC236}">
-                <a16:creationId xmlns:a16="http://schemas.microsoft.com/office/drawing/2014/main" id="{9BF5A9BA-0F71-05E6-12A6-E96098954EAD}"/>
-              </a:ext>
-            </a:extLst>
-          </p:cNvPr>
-          <p:cNvPicPr>
-            <a:picLocks noChangeAspect="1"/>
-          </p:cNvPicPr>
-          <p:nvPr/>
-        </p:nvPicPr>
-        <p:blipFill>
-          <a:blip r:embed="rId3">
-            <a:extLst>
-              <a:ext uri="{28A0092B-C50C-407E-A947-70E740481C1C}">
-                <a14:useLocalDpi xmlns:a14="http://schemas.microsoft.com/office/drawing/2010/main" val="0"/>
-              </a:ext>
-            </a:extLst>
-          </a:blip>
-          <a:stretch>
-            <a:fillRect/>
-          </a:stretch>
-        </p:blipFill>
-        <p:spPr>
-          <a:xfrm>
-            <a:off x="5948624" y="1764995"/>
-            <a:ext cx="5851513" cy="3258680"/>
-          </a:xfrm>
-          <a:prstGeom prst="rect">
-            <a:avLst/>
-          </a:prstGeom>
-        </p:spPr>
-      </p:pic>
-      <p:sp>
-        <p:nvSpPr>
-          <p:cNvPr id="9" name="TextBox 8">
-            <a:extLst>
-              <a:ext uri="{FF2B5EF4-FFF2-40B4-BE49-F238E27FC236}">
-                <a16:creationId xmlns:a16="http://schemas.microsoft.com/office/drawing/2014/main" id="{C650E201-ECEE-C296-05C9-872F845D1F97}"/>
-              </a:ext>
-            </a:extLst>
-          </p:cNvPr>
-          <p:cNvSpPr txBox="1"/>
-          <p:nvPr/>
-        </p:nvSpPr>
-        <p:spPr>
-          <a:xfrm>
-            <a:off x="6096000" y="1286189"/>
-            <a:ext cx="4481564" cy="369332"/>
-          </a:xfrm>
-          <a:prstGeom prst="rect">
-            <a:avLst/>
-          </a:prstGeom>
-          <a:noFill/>
-        </p:spPr>
-        <p:txBody>
-          <a:bodyPr wrap="square" rtlCol="0">
-            <a:spAutoFit/>
-          </a:bodyPr>
-          <a:lstStyle/>
-          <a:p>
-            <a:r>
-              <a:rPr lang="en-IN" dirty="0"/>
-              <a:t>On </a:t>
-            </a:r>
-            <a:r>
-              <a:rPr lang="en-IN" dirty="0" err="1"/>
-              <a:t>predicted_isabel_gmm</a:t>
-            </a:r>
-            <a:endParaRPr lang="en-IN" dirty="0"/>
-          </a:p>
-        </p:txBody>
-      </p:sp>
-    </p:spTree>
-    <p:extLst>
-      <p:ext uri="{BB962C8B-B14F-4D97-AF65-F5344CB8AC3E}">
-        <p14:creationId xmlns:p14="http://schemas.microsoft.com/office/powerpoint/2010/main" val="3572098105"/>
-      </p:ext>
-    </p:extLst>
-  </p:cSld>
-  <p:clrMapOvr>
-    <a:masterClrMapping/>
-  </p:clrMapOvr>
-</p:sld>
-</file>
-
-<file path=ppt/slides/slide11.xml><?xml version="1.0" encoding="utf-8"?>
-<p:sld xmlns:a="http://schemas.openxmlformats.org/drawingml/2006/main" xmlns:r="http://schemas.openxmlformats.org/officeDocument/2006/relationships" xmlns:p="http://schemas.openxmlformats.org/presentationml/2006/main">
-  <p:cSld>
-    <p:spTree>
-      <p:nvGrpSpPr>
-        <p:cNvPr id="1" name=""/>
-        <p:cNvGrpSpPr/>
-        <p:nvPr/>
-      </p:nvGrpSpPr>
-      <p:grpSpPr>
-        <a:xfrm>
-          <a:off x="0" y="0"/>
-          <a:ext cx="0" cy="0"/>
-          <a:chOff x="0" y="0"/>
-          <a:chExt cx="0" cy="0"/>
-        </a:xfrm>
-      </p:grpSpPr>
       <p:graphicFrame>
         <p:nvGraphicFramePr>
           <p:cNvPr id="3" name="Table 2">
@@ -4651,7 +4473,7 @@
 </p:sld>
 </file>
 
-<file path=ppt/slides/slide12.xml><?xml version="1.0" encoding="utf-8"?>
+<file path=ppt/slides/slide11.xml><?xml version="1.0" encoding="utf-8"?>
 <p:sld xmlns:a="http://schemas.openxmlformats.org/drawingml/2006/main" xmlns:r="http://schemas.openxmlformats.org/officeDocument/2006/relationships" xmlns:p="http://schemas.openxmlformats.org/presentationml/2006/main">
   <p:cSld>
     <p:spTree>
@@ -4833,7 +4655,7 @@
 </p:sld>
 </file>
 
-<file path=ppt/slides/slide13.xml><?xml version="1.0" encoding="utf-8"?>
+<file path=ppt/slides/slide12.xml><?xml version="1.0" encoding="utf-8"?>
 <p:sld xmlns:a="http://schemas.openxmlformats.org/drawingml/2006/main" xmlns:r="http://schemas.openxmlformats.org/officeDocument/2006/relationships" xmlns:p="http://schemas.openxmlformats.org/presentationml/2006/main">
   <p:cSld>
     <p:spTree>
@@ -4884,7 +4706,7 @@
             </a:r>
             <a:r>
               <a:rPr lang="en-IN" sz="3200" dirty="0" err="1"/>
-              <a:t>teardrop_gmm</a:t>
+              <a:t>teardrop_gaussian</a:t>
             </a:r>
             <a:endParaRPr lang="en-IN" sz="3200" dirty="0"/>
           </a:p>
@@ -5050,7 +4872,7 @@
 </p:sld>
 </file>
 
-<file path=ppt/slides/slide14.xml><?xml version="1.0" encoding="utf-8"?>
+<file path=ppt/slides/slide13.xml><?xml version="1.0" encoding="utf-8"?>
 <p:sld xmlns:a="http://schemas.openxmlformats.org/drawingml/2006/main" xmlns:r="http://schemas.openxmlformats.org/officeDocument/2006/relationships" xmlns:p="http://schemas.openxmlformats.org/presentationml/2006/main">
   <p:cSld>
     <p:spTree>
@@ -5241,754 +5063,6 @@
           <a:chExt cx="0" cy="0"/>
         </a:xfrm>
       </p:grpSpPr>
-      <p:graphicFrame>
-        <p:nvGraphicFramePr>
-          <p:cNvPr id="2" name="Table 1">
-            <a:extLst>
-              <a:ext uri="{FF2B5EF4-FFF2-40B4-BE49-F238E27FC236}">
-                <a16:creationId xmlns:a16="http://schemas.microsoft.com/office/drawing/2014/main" id="{7D247BD7-EA18-4617-8C33-E55C5CEFCDD0}"/>
-              </a:ext>
-            </a:extLst>
-          </p:cNvPr>
-          <p:cNvGraphicFramePr>
-            <a:graphicFrameLocks noGrp="1"/>
-          </p:cNvGraphicFramePr>
-          <p:nvPr>
-            <p:extLst>
-              <p:ext uri="{D42A27DB-BD31-4B8C-83A1-F6EECF244321}">
-                <p14:modId xmlns:p14="http://schemas.microsoft.com/office/powerpoint/2010/main" val="1096953740"/>
-              </p:ext>
-            </p:extLst>
-          </p:nvPr>
-        </p:nvGraphicFramePr>
-        <p:xfrm>
-          <a:off x="517833" y="158193"/>
-          <a:ext cx="8128000" cy="1854200"/>
-        </p:xfrm>
-        <a:graphic>
-          <a:graphicData uri="http://schemas.openxmlformats.org/drawingml/2006/table">
-            <a:tbl>
-              <a:tblPr firstRow="1" bandRow="1">
-                <a:tableStyleId>{5C22544A-7EE6-4342-B048-85BDC9FD1C3A}</a:tableStyleId>
-              </a:tblPr>
-              <a:tblGrid>
-                <a:gridCol w="4064000">
-                  <a:extLst>
-                    <a:ext uri="{9D8B030D-6E8A-4147-A177-3AD203B41FA5}">
-                      <a16:colId xmlns:a16="http://schemas.microsoft.com/office/drawing/2014/main" val="3281069834"/>
-                    </a:ext>
-                  </a:extLst>
-                </a:gridCol>
-                <a:gridCol w="4064000">
-                  <a:extLst>
-                    <a:ext uri="{9D8B030D-6E8A-4147-A177-3AD203B41FA5}">
-                      <a16:colId xmlns:a16="http://schemas.microsoft.com/office/drawing/2014/main" val="1108291913"/>
-                    </a:ext>
-                  </a:extLst>
-                </a:gridCol>
-              </a:tblGrid>
-              <a:tr h="370840">
-                <a:tc>
-                  <a:txBody>
-                    <a:bodyPr/>
-                    <a:lstStyle/>
-                    <a:p>
-                      <a:r>
-                        <a:rPr lang="en-IN" dirty="0" err="1"/>
-                        <a:t>Variable_name</a:t>
-                      </a:r>
-                      <a:endParaRPr lang="en-IN" dirty="0"/>
-                    </a:p>
-                  </a:txBody>
-                  <a:tcPr/>
-                </a:tc>
-                <a:tc>
-                  <a:txBody>
-                    <a:bodyPr/>
-                    <a:lstStyle/>
-                    <a:p>
-                      <a:r>
-                        <a:rPr lang="en-IN" dirty="0" err="1"/>
-                        <a:t>psnr</a:t>
-                      </a:r>
-                      <a:endParaRPr lang="en-IN" dirty="0"/>
-                    </a:p>
-                  </a:txBody>
-                  <a:tcPr/>
-                </a:tc>
-                <a:extLst>
-                  <a:ext uri="{0D108BD9-81ED-4DB2-BD59-A6C34878D82A}">
-                    <a16:rowId xmlns:a16="http://schemas.microsoft.com/office/drawing/2014/main" val="1683707675"/>
-                  </a:ext>
-                </a:extLst>
-              </a:tr>
-              <a:tr h="370840">
-                <a:tc>
-                  <a:txBody>
-                    <a:bodyPr/>
-                    <a:lstStyle/>
-                    <a:p>
-                      <a:r>
-                        <a:rPr lang="en-IN" dirty="0"/>
-                        <a:t>mean</a:t>
-                      </a:r>
-                    </a:p>
-                  </a:txBody>
-                  <a:tcPr/>
-                </a:tc>
-                <a:tc>
-                  <a:txBody>
-                    <a:bodyPr/>
-                    <a:lstStyle/>
-                    <a:p>
-                      <a:r>
-                        <a:rPr lang="en-IN" dirty="0"/>
-                        <a:t>81.05476284932116</a:t>
-                      </a:r>
-                    </a:p>
-                  </a:txBody>
-                  <a:tcPr/>
-                </a:tc>
-                <a:extLst>
-                  <a:ext uri="{0D108BD9-81ED-4DB2-BD59-A6C34878D82A}">
-                    <a16:rowId xmlns:a16="http://schemas.microsoft.com/office/drawing/2014/main" val="3233801933"/>
-                  </a:ext>
-                </a:extLst>
-              </a:tr>
-              <a:tr h="370840">
-                <a:tc>
-                  <a:txBody>
-                    <a:bodyPr/>
-                    <a:lstStyle/>
-                    <a:p>
-                      <a:r>
-                        <a:rPr lang="en-IN" dirty="0" err="1"/>
-                        <a:t>Mean_rmse</a:t>
-                      </a:r>
-                      <a:endParaRPr lang="en-IN" dirty="0"/>
-                    </a:p>
-                  </a:txBody>
-                  <a:tcPr/>
-                </a:tc>
-                <a:tc>
-                  <a:txBody>
-                    <a:bodyPr/>
-                    <a:lstStyle/>
-                    <a:p>
-                      <a:r>
-                        <a:rPr lang="en-IN" dirty="0"/>
-                        <a:t>0.00017712989011017433</a:t>
-                      </a:r>
-                    </a:p>
-                  </a:txBody>
-                  <a:tcPr/>
-                </a:tc>
-                <a:extLst>
-                  <a:ext uri="{0D108BD9-81ED-4DB2-BD59-A6C34878D82A}">
-                    <a16:rowId xmlns:a16="http://schemas.microsoft.com/office/drawing/2014/main" val="3436928398"/>
-                  </a:ext>
-                </a:extLst>
-              </a:tr>
-              <a:tr h="370840">
-                <a:tc>
-                  <a:txBody>
-                    <a:bodyPr/>
-                    <a:lstStyle/>
-                    <a:p>
-                      <a:r>
-                        <a:rPr lang="en-IN" dirty="0"/>
-                        <a:t>std</a:t>
-                      </a:r>
-                    </a:p>
-                  </a:txBody>
-                  <a:tcPr/>
-                </a:tc>
-                <a:tc>
-                  <a:txBody>
-                    <a:bodyPr/>
-                    <a:lstStyle/>
-                    <a:p>
-                      <a:r>
-                        <a:rPr lang="en-IN" dirty="0"/>
-                        <a:t>85.15517594744747</a:t>
-                      </a:r>
-                    </a:p>
-                  </a:txBody>
-                  <a:tcPr/>
-                </a:tc>
-                <a:extLst>
-                  <a:ext uri="{0D108BD9-81ED-4DB2-BD59-A6C34878D82A}">
-                    <a16:rowId xmlns:a16="http://schemas.microsoft.com/office/drawing/2014/main" val="2862768638"/>
-                  </a:ext>
-                </a:extLst>
-              </a:tr>
-              <a:tr h="370840">
-                <a:tc>
-                  <a:txBody>
-                    <a:bodyPr/>
-                    <a:lstStyle/>
-                    <a:p>
-                      <a:r>
-                        <a:rPr lang="en-IN" dirty="0" err="1"/>
-                        <a:t>Std_rmse</a:t>
-                      </a:r>
-                      <a:endParaRPr lang="en-IN" dirty="0"/>
-                    </a:p>
-                  </a:txBody>
-                  <a:tcPr/>
-                </a:tc>
-                <a:tc>
-                  <a:txBody>
-                    <a:bodyPr/>
-                    <a:lstStyle/>
-                    <a:p>
-                      <a:r>
-                        <a:rPr lang="en-IN" dirty="0"/>
-                        <a:t>0.00011047682849939942</a:t>
-                      </a:r>
-                    </a:p>
-                  </a:txBody>
-                  <a:tcPr/>
-                </a:tc>
-                <a:extLst>
-                  <a:ext uri="{0D108BD9-81ED-4DB2-BD59-A6C34878D82A}">
-                    <a16:rowId xmlns:a16="http://schemas.microsoft.com/office/drawing/2014/main" val="520920145"/>
-                  </a:ext>
-                </a:extLst>
-              </a:tr>
-            </a:tbl>
-          </a:graphicData>
-        </a:graphic>
-      </p:graphicFrame>
-      <p:graphicFrame>
-        <p:nvGraphicFramePr>
-          <p:cNvPr id="3" name="Table 2">
-            <a:extLst>
-              <a:ext uri="{FF2B5EF4-FFF2-40B4-BE49-F238E27FC236}">
-                <a16:creationId xmlns:a16="http://schemas.microsoft.com/office/drawing/2014/main" id="{9F7C80E6-48B4-5DBA-5CFA-23F8D10F8354}"/>
-              </a:ext>
-            </a:extLst>
-          </p:cNvPr>
-          <p:cNvGraphicFramePr>
-            <a:graphicFrameLocks noGrp="1"/>
-          </p:cNvGraphicFramePr>
-          <p:nvPr>
-            <p:extLst>
-              <p:ext uri="{D42A27DB-BD31-4B8C-83A1-F6EECF244321}">
-                <p14:modId xmlns:p14="http://schemas.microsoft.com/office/powerpoint/2010/main" val="772419958"/>
-              </p:ext>
-            </p:extLst>
-          </p:nvPr>
-        </p:nvGraphicFramePr>
-        <p:xfrm>
-          <a:off x="6285046" y="2287172"/>
-          <a:ext cx="8128000" cy="4815840"/>
-        </p:xfrm>
-        <a:graphic>
-          <a:graphicData uri="http://schemas.openxmlformats.org/drawingml/2006/table">
-            <a:tbl>
-              <a:tblPr firstRow="1" bandRow="1">
-                <a:tableStyleId>{5C22544A-7EE6-4342-B048-85BDC9FD1C3A}</a:tableStyleId>
-              </a:tblPr>
-              <a:tblGrid>
-                <a:gridCol w="4064000">
-                  <a:extLst>
-                    <a:ext uri="{9D8B030D-6E8A-4147-A177-3AD203B41FA5}">
-                      <a16:colId xmlns:a16="http://schemas.microsoft.com/office/drawing/2014/main" val="3049066598"/>
-                    </a:ext>
-                  </a:extLst>
-                </a:gridCol>
-                <a:gridCol w="4064000">
-                  <a:extLst>
-                    <a:ext uri="{9D8B030D-6E8A-4147-A177-3AD203B41FA5}">
-                      <a16:colId xmlns:a16="http://schemas.microsoft.com/office/drawing/2014/main" val="4070607675"/>
-                    </a:ext>
-                  </a:extLst>
-                </a:gridCol>
-              </a:tblGrid>
-              <a:tr h="370840">
-                <a:tc>
-                  <a:txBody>
-                    <a:bodyPr/>
-                    <a:lstStyle/>
-                    <a:p>
-                      <a:r>
-                        <a:rPr lang="en-IN" dirty="0"/>
-                        <a:t>variable</a:t>
-                      </a:r>
-                    </a:p>
-                  </a:txBody>
-                  <a:tcPr/>
-                </a:tc>
-                <a:tc>
-                  <a:txBody>
-                    <a:bodyPr/>
-                    <a:lstStyle/>
-                    <a:p>
-                      <a:r>
-                        <a:rPr lang="en-IN" dirty="0" err="1"/>
-                        <a:t>psnr</a:t>
-                      </a:r>
-                      <a:endParaRPr lang="en-IN" dirty="0"/>
-                    </a:p>
-                  </a:txBody>
-                  <a:tcPr/>
-                </a:tc>
-                <a:extLst>
-                  <a:ext uri="{0D108BD9-81ED-4DB2-BD59-A6C34878D82A}">
-                    <a16:rowId xmlns:a16="http://schemas.microsoft.com/office/drawing/2014/main" val="1352532494"/>
-                  </a:ext>
-                </a:extLst>
-              </a:tr>
-              <a:tr h="370840">
-                <a:tc>
-                  <a:txBody>
-                    <a:bodyPr/>
-                    <a:lstStyle/>
-                    <a:p>
-                      <a:r>
-                        <a:rPr lang="en-IN" dirty="0"/>
-                        <a:t>GMM_Mean0 </a:t>
-                      </a:r>
-                    </a:p>
-                  </a:txBody>
-                  <a:tcPr/>
-                </a:tc>
-                <a:tc>
-                  <a:txBody>
-                    <a:bodyPr/>
-                    <a:lstStyle/>
-                    <a:p>
-                      <a:r>
-                        <a:rPr lang="en-IN" dirty="0"/>
-                        <a:t>52.85720206271286</a:t>
-                      </a:r>
-                    </a:p>
-                  </a:txBody>
-                  <a:tcPr/>
-                </a:tc>
-                <a:extLst>
-                  <a:ext uri="{0D108BD9-81ED-4DB2-BD59-A6C34878D82A}">
-                    <a16:rowId xmlns:a16="http://schemas.microsoft.com/office/drawing/2014/main" val="4220989394"/>
-                  </a:ext>
-                </a:extLst>
-              </a:tr>
-              <a:tr h="370840">
-                <a:tc>
-                  <a:txBody>
-                    <a:bodyPr/>
-                    <a:lstStyle/>
-                    <a:p>
-                      <a:r>
-                        <a:rPr lang="en-IN" dirty="0"/>
-                        <a:t>GMM_Mean1</a:t>
-                      </a:r>
-                    </a:p>
-                  </a:txBody>
-                  <a:tcPr/>
-                </a:tc>
-                <a:tc>
-                  <a:txBody>
-                    <a:bodyPr/>
-                    <a:lstStyle/>
-                    <a:p>
-                      <a:r>
-                        <a:rPr lang="en-IN" dirty="0"/>
-                        <a:t>53.05718976799278</a:t>
-                      </a:r>
-                    </a:p>
-                  </a:txBody>
-                  <a:tcPr/>
-                </a:tc>
-                <a:extLst>
-                  <a:ext uri="{0D108BD9-81ED-4DB2-BD59-A6C34878D82A}">
-                    <a16:rowId xmlns:a16="http://schemas.microsoft.com/office/drawing/2014/main" val="2174434533"/>
-                  </a:ext>
-                </a:extLst>
-              </a:tr>
-              <a:tr h="370840">
-                <a:tc>
-                  <a:txBody>
-                    <a:bodyPr/>
-                    <a:lstStyle/>
-                    <a:p>
-                      <a:r>
-                        <a:rPr lang="en-IN" dirty="0"/>
-                        <a:t>GMM_Mean2 </a:t>
-                      </a:r>
-                    </a:p>
-                  </a:txBody>
-                  <a:tcPr/>
-                </a:tc>
-                <a:tc>
-                  <a:txBody>
-                    <a:bodyPr/>
-                    <a:lstStyle/>
-                    <a:p>
-                      <a:r>
-                        <a:rPr lang="en-IN" dirty="0"/>
-                        <a:t>52.275178479143925</a:t>
-                      </a:r>
-                    </a:p>
-                  </a:txBody>
-                  <a:tcPr/>
-                </a:tc>
-                <a:extLst>
-                  <a:ext uri="{0D108BD9-81ED-4DB2-BD59-A6C34878D82A}">
-                    <a16:rowId xmlns:a16="http://schemas.microsoft.com/office/drawing/2014/main" val="50693343"/>
-                  </a:ext>
-                </a:extLst>
-              </a:tr>
-              <a:tr h="370840">
-                <a:tc>
-                  <a:txBody>
-                    <a:bodyPr/>
-                    <a:lstStyle/>
-                    <a:p>
-                      <a:r>
-                        <a:rPr lang="en-IN" dirty="0"/>
-                        <a:t>GMM_Std0 </a:t>
-                      </a:r>
-                    </a:p>
-                  </a:txBody>
-                  <a:tcPr/>
-                </a:tc>
-                <a:tc>
-                  <a:txBody>
-                    <a:bodyPr/>
-                    <a:lstStyle/>
-                    <a:p>
-                      <a:r>
-                        <a:rPr lang="en-IN" dirty="0"/>
-                        <a:t>34.96048935725756</a:t>
-                      </a:r>
-                    </a:p>
-                  </a:txBody>
-                  <a:tcPr/>
-                </a:tc>
-                <a:extLst>
-                  <a:ext uri="{0D108BD9-81ED-4DB2-BD59-A6C34878D82A}">
-                    <a16:rowId xmlns:a16="http://schemas.microsoft.com/office/drawing/2014/main" val="1881491560"/>
-                  </a:ext>
-                </a:extLst>
-              </a:tr>
-              <a:tr h="370840">
-                <a:tc>
-                  <a:txBody>
-                    <a:bodyPr/>
-                    <a:lstStyle/>
-                    <a:p>
-                      <a:r>
-                        <a:rPr lang="en-IN" dirty="0"/>
-                        <a:t>GMM_Std1 </a:t>
-                      </a:r>
-                    </a:p>
-                  </a:txBody>
-                  <a:tcPr/>
-                </a:tc>
-                <a:tc>
-                  <a:txBody>
-                    <a:bodyPr/>
-                    <a:lstStyle/>
-                    <a:p>
-                      <a:r>
-                        <a:rPr lang="en-IN" dirty="0"/>
-                        <a:t>36.929754264515815</a:t>
-                      </a:r>
-                    </a:p>
-                  </a:txBody>
-                  <a:tcPr/>
-                </a:tc>
-                <a:extLst>
-                  <a:ext uri="{0D108BD9-81ED-4DB2-BD59-A6C34878D82A}">
-                    <a16:rowId xmlns:a16="http://schemas.microsoft.com/office/drawing/2014/main" val="4079098239"/>
-                  </a:ext>
-                </a:extLst>
-              </a:tr>
-              <a:tr h="370840">
-                <a:tc>
-                  <a:txBody>
-                    <a:bodyPr/>
-                    <a:lstStyle/>
-                    <a:p>
-                      <a:r>
-                        <a:rPr lang="en-IN" dirty="0"/>
-                        <a:t>GMM_Std2</a:t>
-                      </a:r>
-                    </a:p>
-                  </a:txBody>
-                  <a:tcPr/>
-                </a:tc>
-                <a:tc>
-                  <a:txBody>
-                    <a:bodyPr/>
-                    <a:lstStyle/>
-                    <a:p>
-                      <a:r>
-                        <a:rPr lang="en-IN" dirty="0"/>
-                        <a:t>35.5661347586169</a:t>
-                      </a:r>
-                    </a:p>
-                  </a:txBody>
-                  <a:tcPr/>
-                </a:tc>
-                <a:extLst>
-                  <a:ext uri="{0D108BD9-81ED-4DB2-BD59-A6C34878D82A}">
-                    <a16:rowId xmlns:a16="http://schemas.microsoft.com/office/drawing/2014/main" val="333761379"/>
-                  </a:ext>
-                </a:extLst>
-              </a:tr>
-              <a:tr h="370840">
-                <a:tc>
-                  <a:txBody>
-                    <a:bodyPr/>
-                    <a:lstStyle/>
-                    <a:p>
-                      <a:r>
-                        <a:rPr lang="en-IN" dirty="0"/>
-                        <a:t>GMM_Weight0 </a:t>
-                      </a:r>
-                    </a:p>
-                  </a:txBody>
-                  <a:tcPr/>
-                </a:tc>
-                <a:tc>
-                  <a:txBody>
-                    <a:bodyPr/>
-                    <a:lstStyle/>
-                    <a:p>
-                      <a:r>
-                        <a:rPr lang="en-IN" dirty="0"/>
-                        <a:t>21.266653435614128</a:t>
-                      </a:r>
-                    </a:p>
-                  </a:txBody>
-                  <a:tcPr/>
-                </a:tc>
-                <a:extLst>
-                  <a:ext uri="{0D108BD9-81ED-4DB2-BD59-A6C34878D82A}">
-                    <a16:rowId xmlns:a16="http://schemas.microsoft.com/office/drawing/2014/main" val="2612490008"/>
-                  </a:ext>
-                </a:extLst>
-              </a:tr>
-              <a:tr h="370840">
-                <a:tc>
-                  <a:txBody>
-                    <a:bodyPr/>
-                    <a:lstStyle/>
-                    <a:p>
-                      <a:r>
-                        <a:rPr lang="en-IN" dirty="0"/>
-                        <a:t>GMM_Weight1</a:t>
-                      </a:r>
-                    </a:p>
-                  </a:txBody>
-                  <a:tcPr/>
-                </a:tc>
-                <a:tc>
-                  <a:txBody>
-                    <a:bodyPr/>
-                    <a:lstStyle/>
-                    <a:p>
-                      <a:r>
-                        <a:rPr lang="en-IN" dirty="0"/>
-                        <a:t>21.200009165903083</a:t>
-                      </a:r>
-                    </a:p>
-                  </a:txBody>
-                  <a:tcPr/>
-                </a:tc>
-                <a:extLst>
-                  <a:ext uri="{0D108BD9-81ED-4DB2-BD59-A6C34878D82A}">
-                    <a16:rowId xmlns:a16="http://schemas.microsoft.com/office/drawing/2014/main" val="1823596821"/>
-                  </a:ext>
-                </a:extLst>
-              </a:tr>
-              <a:tr h="370840">
-                <a:tc>
-                  <a:txBody>
-                    <a:bodyPr/>
-                    <a:lstStyle/>
-                    <a:p>
-                      <a:r>
-                        <a:rPr lang="en-IN" dirty="0"/>
-                        <a:t>GMM_Weight2</a:t>
-                      </a:r>
-                    </a:p>
-                  </a:txBody>
-                  <a:tcPr/>
-                </a:tc>
-                <a:tc>
-                  <a:txBody>
-                    <a:bodyPr/>
-                    <a:lstStyle/>
-                    <a:p>
-                      <a:r>
-                        <a:rPr lang="en-IN" dirty="0"/>
-                        <a:t>21.00507326270257</a:t>
-                      </a:r>
-                    </a:p>
-                  </a:txBody>
-                  <a:tcPr/>
-                </a:tc>
-                <a:extLst>
-                  <a:ext uri="{0D108BD9-81ED-4DB2-BD59-A6C34878D82A}">
-                    <a16:rowId xmlns:a16="http://schemas.microsoft.com/office/drawing/2014/main" val="3805363909"/>
-                  </a:ext>
-                </a:extLst>
-              </a:tr>
-              <a:tr h="281585">
-                <a:tc>
-                  <a:txBody>
-                    <a:bodyPr/>
-                    <a:lstStyle/>
-                    <a:p>
-                      <a:r>
-                        <a:rPr lang="en-IN" dirty="0"/>
-                        <a:t>Average </a:t>
-                      </a:r>
-                      <a:r>
-                        <a:rPr lang="en-IN" dirty="0" err="1"/>
-                        <a:t>psnr</a:t>
-                      </a:r>
-                      <a:r>
-                        <a:rPr lang="en-IN" dirty="0"/>
-                        <a:t> </a:t>
-                      </a:r>
-                    </a:p>
-                  </a:txBody>
-                  <a:tcPr/>
-                </a:tc>
-                <a:tc>
-                  <a:txBody>
-                    <a:bodyPr/>
-                    <a:lstStyle/>
-                    <a:p>
-                      <a:r>
-                        <a:rPr lang="en-IN" dirty="0"/>
-                        <a:t>36.56863161716218</a:t>
-                      </a:r>
-                    </a:p>
-                  </a:txBody>
-                  <a:tcPr/>
-                </a:tc>
-                <a:extLst>
-                  <a:ext uri="{0D108BD9-81ED-4DB2-BD59-A6C34878D82A}">
-                    <a16:rowId xmlns:a16="http://schemas.microsoft.com/office/drawing/2014/main" val="1440692618"/>
-                  </a:ext>
-                </a:extLst>
-              </a:tr>
-              <a:tr h="370840">
-                <a:tc>
-                  <a:txBody>
-                    <a:bodyPr/>
-                    <a:lstStyle/>
-                    <a:p>
-                      <a:r>
-                        <a:rPr lang="en-IN" dirty="0"/>
-                        <a:t> RMSE</a:t>
-                      </a:r>
-                    </a:p>
-                  </a:txBody>
-                  <a:tcPr/>
-                </a:tc>
-                <a:tc>
-                  <a:txBody>
-                    <a:bodyPr/>
-                    <a:lstStyle/>
-                    <a:p>
-                      <a:pPr marL="0" marR="0" lvl="0" indent="0" algn="l" defTabSz="914400" rtl="0" eaLnBrk="1" fontAlgn="auto" latinLnBrk="0" hangingPunct="1">
-                        <a:lnSpc>
-                          <a:spcPct val="100000"/>
-                        </a:lnSpc>
-                        <a:spcBef>
-                          <a:spcPts val="0"/>
-                        </a:spcBef>
-                        <a:spcAft>
-                          <a:spcPts val="0"/>
-                        </a:spcAft>
-                        <a:buClrTx/>
-                        <a:buSzTx/>
-                        <a:buFontTx/>
-                        <a:buNone/>
-                        <a:tabLst/>
-                        <a:defRPr/>
-                      </a:pPr>
-                      <a:r>
-                        <a:rPr lang="en-IN" dirty="0"/>
-                        <a:t>0.102860264</a:t>
-                      </a:r>
-                    </a:p>
-                  </a:txBody>
-                  <a:tcPr/>
-                </a:tc>
-                <a:extLst>
-                  <a:ext uri="{0D108BD9-81ED-4DB2-BD59-A6C34878D82A}">
-                    <a16:rowId xmlns:a16="http://schemas.microsoft.com/office/drawing/2014/main" val="3286189989"/>
-                  </a:ext>
-                </a:extLst>
-              </a:tr>
-              <a:tr h="370840">
-                <a:tc>
-                  <a:txBody>
-                    <a:bodyPr/>
-                    <a:lstStyle/>
-                    <a:p>
-                      <a:endParaRPr lang="en-IN"/>
-                    </a:p>
-                  </a:txBody>
-                  <a:tcPr/>
-                </a:tc>
-                <a:tc>
-                  <a:txBody>
-                    <a:bodyPr/>
-                    <a:lstStyle/>
-                    <a:p>
-                      <a:endParaRPr lang="en-IN" dirty="0"/>
-                    </a:p>
-                  </a:txBody>
-                  <a:tcPr/>
-                </a:tc>
-                <a:extLst>
-                  <a:ext uri="{0D108BD9-81ED-4DB2-BD59-A6C34878D82A}">
-                    <a16:rowId xmlns:a16="http://schemas.microsoft.com/office/drawing/2014/main" val="2357891152"/>
-                  </a:ext>
-                </a:extLst>
-              </a:tr>
-            </a:tbl>
-          </a:graphicData>
-        </a:graphic>
-      </p:graphicFrame>
-    </p:spTree>
-    <p:extLst>
-      <p:ext uri="{BB962C8B-B14F-4D97-AF65-F5344CB8AC3E}">
-        <p14:creationId xmlns:p14="http://schemas.microsoft.com/office/powerpoint/2010/main" val="3098364598"/>
-      </p:ext>
-    </p:extLst>
-  </p:cSld>
-  <p:clrMapOvr>
-    <a:masterClrMapping/>
-  </p:clrMapOvr>
-</p:sld>
-</file>
-
-<file path=ppt/slides/slide3.xml><?xml version="1.0" encoding="utf-8"?>
-<p:sld xmlns:a="http://schemas.openxmlformats.org/drawingml/2006/main" xmlns:r="http://schemas.openxmlformats.org/officeDocument/2006/relationships" xmlns:p="http://schemas.openxmlformats.org/presentationml/2006/main">
-  <p:cSld>
-    <p:spTree>
-      <p:nvGrpSpPr>
-        <p:cNvPr id="1" name=""/>
-        <p:cNvGrpSpPr/>
-        <p:nvPr/>
-      </p:nvGrpSpPr>
-      <p:grpSpPr>
-        <a:xfrm>
-          <a:off x="0" y="0"/>
-          <a:ext cx="0" cy="0"/>
-          <a:chOff x="0" y="0"/>
-          <a:chExt cx="0" cy="0"/>
-        </a:xfrm>
-      </p:grpSpPr>
       <p:sp>
         <p:nvSpPr>
           <p:cNvPr id="2" name="TextBox 1">
@@ -6339,7 +5413,7 @@
 </p:sld>
 </file>
 
-<file path=ppt/slides/slide4.xml><?xml version="1.0" encoding="utf-8"?>
+<file path=ppt/slides/slide3.xml><?xml version="1.0" encoding="utf-8"?>
 <p:sld xmlns:a="http://schemas.openxmlformats.org/drawingml/2006/main" xmlns:r="http://schemas.openxmlformats.org/officeDocument/2006/relationships" xmlns:p="http://schemas.openxmlformats.org/presentationml/2006/main">
   <p:cSld>
     <p:spTree>
@@ -6767,7 +5841,7 @@
 </p:sld>
 </file>
 
-<file path=ppt/slides/slide5.xml><?xml version="1.0" encoding="utf-8"?>
+<file path=ppt/slides/slide4.xml><?xml version="1.0" encoding="utf-8"?>
 <p:sld xmlns:a="http://schemas.openxmlformats.org/drawingml/2006/main" xmlns:r="http://schemas.openxmlformats.org/officeDocument/2006/relationships" xmlns:p="http://schemas.openxmlformats.org/presentationml/2006/main">
   <p:cSld>
     <p:spTree>
@@ -7342,7 +6416,7 @@
 </p:sld>
 </file>
 
-<file path=ppt/slides/slide6.xml><?xml version="1.0" encoding="utf-8"?>
+<file path=ppt/slides/slide5.xml><?xml version="1.0" encoding="utf-8"?>
 <p:sld xmlns:a="http://schemas.openxmlformats.org/drawingml/2006/main" xmlns:r="http://schemas.openxmlformats.org/officeDocument/2006/relationships" xmlns:p="http://schemas.openxmlformats.org/presentationml/2006/main">
   <p:cSld>
     <p:spTree>
@@ -7524,7 +6598,7 @@
 </p:sld>
 </file>
 
-<file path=ppt/slides/slide7.xml><?xml version="1.0" encoding="utf-8"?>
+<file path=ppt/slides/slide6.xml><?xml version="1.0" encoding="utf-8"?>
 <p:sld xmlns:a="http://schemas.openxmlformats.org/drawingml/2006/main" xmlns:r="http://schemas.openxmlformats.org/officeDocument/2006/relationships" xmlns:p="http://schemas.openxmlformats.org/presentationml/2006/main">
   <p:cSld>
     <p:spTree>
@@ -8099,7 +7173,7 @@
 </p:sld>
 </file>
 
-<file path=ppt/slides/slide8.xml><?xml version="1.0" encoding="utf-8"?>
+<file path=ppt/slides/slide7.xml><?xml version="1.0" encoding="utf-8"?>
 <p:sld xmlns:a="http://schemas.openxmlformats.org/drawingml/2006/main" xmlns:r="http://schemas.openxmlformats.org/officeDocument/2006/relationships" xmlns:p="http://schemas.openxmlformats.org/presentationml/2006/main">
   <p:cSld>
     <p:spTree>
@@ -8281,7 +7355,7 @@
 </p:sld>
 </file>
 
-<file path=ppt/slides/slide9.xml><?xml version="1.0" encoding="utf-8"?>
+<file path=ppt/slides/slide8.xml><?xml version="1.0" encoding="utf-8"?>
 <p:sld xmlns:a="http://schemas.openxmlformats.org/drawingml/2006/main" xmlns:r="http://schemas.openxmlformats.org/officeDocument/2006/relationships" xmlns:p="http://schemas.openxmlformats.org/presentationml/2006/main">
   <p:cSld>
     <p:spTree>
@@ -8855,6 +7929,188 @@
     <p:extLst>
       <p:ext uri="{BB962C8B-B14F-4D97-AF65-F5344CB8AC3E}">
         <p14:creationId xmlns:p14="http://schemas.microsoft.com/office/powerpoint/2010/main" val="1947669552"/>
+      </p:ext>
+    </p:extLst>
+  </p:cSld>
+  <p:clrMapOvr>
+    <a:masterClrMapping/>
+  </p:clrMapOvr>
+</p:sld>
+</file>
+
+<file path=ppt/slides/slide9.xml><?xml version="1.0" encoding="utf-8"?>
+<p:sld xmlns:a="http://schemas.openxmlformats.org/drawingml/2006/main" xmlns:r="http://schemas.openxmlformats.org/officeDocument/2006/relationships" xmlns:p="http://schemas.openxmlformats.org/presentationml/2006/main">
+  <p:cSld>
+    <p:spTree>
+      <p:nvGrpSpPr>
+        <p:cNvPr id="1" name=""/>
+        <p:cNvGrpSpPr/>
+        <p:nvPr/>
+      </p:nvGrpSpPr>
+      <p:grpSpPr>
+        <a:xfrm>
+          <a:off x="0" y="0"/>
+          <a:ext cx="0" cy="0"/>
+          <a:chOff x="0" y="0"/>
+          <a:chExt cx="0" cy="0"/>
+        </a:xfrm>
+      </p:grpSpPr>
+      <p:pic>
+        <p:nvPicPr>
+          <p:cNvPr id="5" name="Picture 4" descr="A red circle in the sky&#10;&#10;AI-generated content may be incorrect.">
+            <a:extLst>
+              <a:ext uri="{FF2B5EF4-FFF2-40B4-BE49-F238E27FC236}">
+                <a16:creationId xmlns:a16="http://schemas.microsoft.com/office/drawing/2014/main" id="{EB1D8219-2F4B-443E-46E0-70B9E5264DE9}"/>
+              </a:ext>
+            </a:extLst>
+          </p:cNvPr>
+          <p:cNvPicPr>
+            <a:picLocks noChangeAspect="1"/>
+          </p:cNvPicPr>
+          <p:nvPr/>
+        </p:nvPicPr>
+        <p:blipFill>
+          <a:blip r:embed="rId2">
+            <a:extLst>
+              <a:ext uri="{28A0092B-C50C-407E-A947-70E740481C1C}">
+                <a14:useLocalDpi xmlns:a14="http://schemas.microsoft.com/office/drawing/2010/main" val="0"/>
+              </a:ext>
+            </a:extLst>
+          </a:blip>
+          <a:stretch>
+            <a:fillRect/>
+          </a:stretch>
+        </p:blipFill>
+        <p:spPr>
+          <a:xfrm>
+            <a:off x="90436" y="1802676"/>
+            <a:ext cx="5660572" cy="3152345"/>
+          </a:xfrm>
+          <a:prstGeom prst="rect">
+            <a:avLst/>
+          </a:prstGeom>
+        </p:spPr>
+      </p:pic>
+      <p:sp>
+        <p:nvSpPr>
+          <p:cNvPr id="6" name="TextBox 5">
+            <a:extLst>
+              <a:ext uri="{FF2B5EF4-FFF2-40B4-BE49-F238E27FC236}">
+                <a16:creationId xmlns:a16="http://schemas.microsoft.com/office/drawing/2014/main" id="{8636201B-80C1-6C39-D151-A40A6B6A2A4D}"/>
+              </a:ext>
+            </a:extLst>
+          </p:cNvPr>
+          <p:cNvSpPr txBox="1"/>
+          <p:nvPr/>
+        </p:nvSpPr>
+        <p:spPr>
+          <a:xfrm>
+            <a:off x="221064" y="1286189"/>
+            <a:ext cx="4481564" cy="369332"/>
+          </a:xfrm>
+          <a:prstGeom prst="rect">
+            <a:avLst/>
+          </a:prstGeom>
+          <a:noFill/>
+        </p:spPr>
+        <p:txBody>
+          <a:bodyPr wrap="square" rtlCol="0">
+            <a:spAutoFit/>
+          </a:bodyPr>
+          <a:lstStyle/>
+          <a:p>
+            <a:r>
+              <a:rPr lang="en-IN" dirty="0"/>
+              <a:t>On </a:t>
+            </a:r>
+            <a:r>
+              <a:rPr lang="en-IN" dirty="0" err="1"/>
+              <a:t>original_isabel_gmm</a:t>
+            </a:r>
+            <a:endParaRPr lang="en-IN" dirty="0"/>
+          </a:p>
+        </p:txBody>
+      </p:sp>
+      <p:pic>
+        <p:nvPicPr>
+          <p:cNvPr id="8" name="Picture 7" descr="A red circle in the sky&#10;&#10;AI-generated content may be incorrect.">
+            <a:extLst>
+              <a:ext uri="{FF2B5EF4-FFF2-40B4-BE49-F238E27FC236}">
+                <a16:creationId xmlns:a16="http://schemas.microsoft.com/office/drawing/2014/main" id="{9BF5A9BA-0F71-05E6-12A6-E96098954EAD}"/>
+              </a:ext>
+            </a:extLst>
+          </p:cNvPr>
+          <p:cNvPicPr>
+            <a:picLocks noChangeAspect="1"/>
+          </p:cNvPicPr>
+          <p:nvPr/>
+        </p:nvPicPr>
+        <p:blipFill>
+          <a:blip r:embed="rId3">
+            <a:extLst>
+              <a:ext uri="{28A0092B-C50C-407E-A947-70E740481C1C}">
+                <a14:useLocalDpi xmlns:a14="http://schemas.microsoft.com/office/drawing/2010/main" val="0"/>
+              </a:ext>
+            </a:extLst>
+          </a:blip>
+          <a:stretch>
+            <a:fillRect/>
+          </a:stretch>
+        </p:blipFill>
+        <p:spPr>
+          <a:xfrm>
+            <a:off x="5948624" y="1764995"/>
+            <a:ext cx="5851513" cy="3258680"/>
+          </a:xfrm>
+          <a:prstGeom prst="rect">
+            <a:avLst/>
+          </a:prstGeom>
+        </p:spPr>
+      </p:pic>
+      <p:sp>
+        <p:nvSpPr>
+          <p:cNvPr id="9" name="TextBox 8">
+            <a:extLst>
+              <a:ext uri="{FF2B5EF4-FFF2-40B4-BE49-F238E27FC236}">
+                <a16:creationId xmlns:a16="http://schemas.microsoft.com/office/drawing/2014/main" id="{C650E201-ECEE-C296-05C9-872F845D1F97}"/>
+              </a:ext>
+            </a:extLst>
+          </p:cNvPr>
+          <p:cNvSpPr txBox="1"/>
+          <p:nvPr/>
+        </p:nvSpPr>
+        <p:spPr>
+          <a:xfrm>
+            <a:off x="6096000" y="1286189"/>
+            <a:ext cx="4481564" cy="369332"/>
+          </a:xfrm>
+          <a:prstGeom prst="rect">
+            <a:avLst/>
+          </a:prstGeom>
+          <a:noFill/>
+        </p:spPr>
+        <p:txBody>
+          <a:bodyPr wrap="square" rtlCol="0">
+            <a:spAutoFit/>
+          </a:bodyPr>
+          <a:lstStyle/>
+          <a:p>
+            <a:r>
+              <a:rPr lang="en-IN" dirty="0"/>
+              <a:t>On </a:t>
+            </a:r>
+            <a:r>
+              <a:rPr lang="en-IN" dirty="0" err="1"/>
+              <a:t>predicted_isabel_gmm</a:t>
+            </a:r>
+            <a:endParaRPr lang="en-IN" dirty="0"/>
+          </a:p>
+        </p:txBody>
+      </p:sp>
+    </p:spTree>
+    <p:extLst>
+      <p:ext uri="{BB962C8B-B14F-4D97-AF65-F5344CB8AC3E}">
+        <p14:creationId xmlns:p14="http://schemas.microsoft.com/office/powerpoint/2010/main" val="3572098105"/>
       </p:ext>
     </p:extLst>
   </p:cSld>
